--- a/HW/HW1/images/HW1Figures.pptx
+++ b/HW/HW1/images/HW1Figures.pptx
@@ -6281,7 +6281,7 @@
           <a:p>
             <a:fld id="{C2C71E97-02B0-4230-ACAE-A5449FD777AB}" type="datetimeFigureOut">
               <a:rPr lang="en-US" smtClean="0"/>
-              <a:t>2022-09-23</a:t>
+              <a:t>2022-10-05</a:t>
             </a:fld>
             <a:endParaRPr lang="en-US"/>
           </a:p>
@@ -6479,7 +6479,7 @@
           <a:p>
             <a:fld id="{C2C71E97-02B0-4230-ACAE-A5449FD777AB}" type="datetimeFigureOut">
               <a:rPr lang="en-US" smtClean="0"/>
-              <a:t>2022-09-23</a:t>
+              <a:t>2022-10-05</a:t>
             </a:fld>
             <a:endParaRPr lang="en-US"/>
           </a:p>
@@ -6687,7 +6687,7 @@
           <a:p>
             <a:fld id="{C2C71E97-02B0-4230-ACAE-A5449FD777AB}" type="datetimeFigureOut">
               <a:rPr lang="en-US" smtClean="0"/>
-              <a:t>2022-09-23</a:t>
+              <a:t>2022-10-05</a:t>
             </a:fld>
             <a:endParaRPr lang="en-US"/>
           </a:p>
@@ -6885,7 +6885,7 @@
           <a:p>
             <a:fld id="{C2C71E97-02B0-4230-ACAE-A5449FD777AB}" type="datetimeFigureOut">
               <a:rPr lang="en-US" smtClean="0"/>
-              <a:t>2022-09-23</a:t>
+              <a:t>2022-10-05</a:t>
             </a:fld>
             <a:endParaRPr lang="en-US"/>
           </a:p>
@@ -7160,7 +7160,7 @@
           <a:p>
             <a:fld id="{C2C71E97-02B0-4230-ACAE-A5449FD777AB}" type="datetimeFigureOut">
               <a:rPr lang="en-US" smtClean="0"/>
-              <a:t>2022-09-23</a:t>
+              <a:t>2022-10-05</a:t>
             </a:fld>
             <a:endParaRPr lang="en-US"/>
           </a:p>
@@ -7425,7 +7425,7 @@
           <a:p>
             <a:fld id="{C2C71E97-02B0-4230-ACAE-A5449FD777AB}" type="datetimeFigureOut">
               <a:rPr lang="en-US" smtClean="0"/>
-              <a:t>2022-09-23</a:t>
+              <a:t>2022-10-05</a:t>
             </a:fld>
             <a:endParaRPr lang="en-US"/>
           </a:p>
@@ -7837,7 +7837,7 @@
           <a:p>
             <a:fld id="{C2C71E97-02B0-4230-ACAE-A5449FD777AB}" type="datetimeFigureOut">
               <a:rPr lang="en-US" smtClean="0"/>
-              <a:t>2022-09-23</a:t>
+              <a:t>2022-10-05</a:t>
             </a:fld>
             <a:endParaRPr lang="en-US"/>
           </a:p>
@@ -7978,7 +7978,7 @@
           <a:p>
             <a:fld id="{C2C71E97-02B0-4230-ACAE-A5449FD777AB}" type="datetimeFigureOut">
               <a:rPr lang="en-US" smtClean="0"/>
-              <a:t>2022-09-23</a:t>
+              <a:t>2022-10-05</a:t>
             </a:fld>
             <a:endParaRPr lang="en-US"/>
           </a:p>
@@ -8091,7 +8091,7 @@
           <a:p>
             <a:fld id="{C2C71E97-02B0-4230-ACAE-A5449FD777AB}" type="datetimeFigureOut">
               <a:rPr lang="en-US" smtClean="0"/>
-              <a:t>2022-09-23</a:t>
+              <a:t>2022-10-05</a:t>
             </a:fld>
             <a:endParaRPr lang="en-US"/>
           </a:p>
@@ -8402,7 +8402,7 @@
           <a:p>
             <a:fld id="{C2C71E97-02B0-4230-ACAE-A5449FD777AB}" type="datetimeFigureOut">
               <a:rPr lang="en-US" smtClean="0"/>
-              <a:t>2022-09-23</a:t>
+              <a:t>2022-10-05</a:t>
             </a:fld>
             <a:endParaRPr lang="en-US"/>
           </a:p>
@@ -8690,7 +8690,7 @@
           <a:p>
             <a:fld id="{C2C71E97-02B0-4230-ACAE-A5449FD777AB}" type="datetimeFigureOut">
               <a:rPr lang="en-US" smtClean="0"/>
-              <a:t>2022-09-23</a:t>
+              <a:t>2022-10-05</a:t>
             </a:fld>
             <a:endParaRPr lang="en-US"/>
           </a:p>
@@ -8931,7 +8931,7 @@
           <a:p>
             <a:fld id="{C2C71E97-02B0-4230-ACAE-A5449FD777AB}" type="datetimeFigureOut">
               <a:rPr lang="en-US" smtClean="0"/>
-              <a:t>2022-09-23</a:t>
+              <a:t>2022-10-05</a:t>
             </a:fld>
             <a:endParaRPr lang="en-US"/>
           </a:p>
@@ -44603,8 +44603,8 @@
             <a:chExt cx="171720" cy="228240"/>
           </a:xfrm>
         </p:grpSpPr>
-        <mc:AlternateContent xmlns:mc="http://schemas.openxmlformats.org/markup-compatibility/2006">
-          <mc:Choice xmlns:p14="http://schemas.microsoft.com/office/powerpoint/2010/main" Requires="p14">
+        <mc:AlternateContent xmlns:mc="http://schemas.openxmlformats.org/markup-compatibility/2006" xmlns:p14="http://schemas.microsoft.com/office/powerpoint/2010/main">
+          <mc:Choice Requires="p14">
             <p:contentPart p14:bwMode="auto" r:id="rId2">
               <p14:nvContentPartPr>
                 <p14:cNvPr id="83" name="Ink 82">
@@ -44623,7 +44623,7 @@
               </p14:xfrm>
             </p:contentPart>
           </mc:Choice>
-          <mc:Fallback>
+          <mc:Fallback xmlns="">
             <p:pic>
               <p:nvPicPr>
                 <p:cNvPr id="83" name="Ink 82">
@@ -44654,8 +44654,8 @@
             </p:pic>
           </mc:Fallback>
         </mc:AlternateContent>
-        <mc:AlternateContent xmlns:mc="http://schemas.openxmlformats.org/markup-compatibility/2006">
-          <mc:Choice xmlns:p14="http://schemas.microsoft.com/office/powerpoint/2010/main" Requires="p14">
+        <mc:AlternateContent xmlns:mc="http://schemas.openxmlformats.org/markup-compatibility/2006" xmlns:p14="http://schemas.microsoft.com/office/powerpoint/2010/main">
+          <mc:Choice Requires="p14">
             <p:contentPart p14:bwMode="auto" r:id="rId4">
               <p14:nvContentPartPr>
                 <p14:cNvPr id="85" name="Ink 84">
@@ -44674,7 +44674,7 @@
               </p14:xfrm>
             </p:contentPart>
           </mc:Choice>
-          <mc:Fallback>
+          <mc:Fallback xmlns="">
             <p:pic>
               <p:nvPicPr>
                 <p:cNvPr id="85" name="Ink 84">
@@ -46026,8 +46026,8 @@
           </a:fontRef>
         </p:style>
       </p:cxnSp>
-      <mc:AlternateContent xmlns:mc="http://schemas.openxmlformats.org/markup-compatibility/2006">
-        <mc:Choice xmlns:p14="http://schemas.microsoft.com/office/powerpoint/2010/main" Requires="p14">
+      <mc:AlternateContent xmlns:mc="http://schemas.openxmlformats.org/markup-compatibility/2006" xmlns:p14="http://schemas.microsoft.com/office/powerpoint/2010/main">
+        <mc:Choice Requires="p14">
           <p:contentPart p14:bwMode="auto" r:id="rId2">
             <p14:nvContentPartPr>
               <p14:cNvPr id="140" name="Ink 139">
@@ -46046,7 +46046,7 @@
             </p14:xfrm>
           </p:contentPart>
         </mc:Choice>
-        <mc:Fallback>
+        <mc:Fallback xmlns="">
           <p:pic>
             <p:nvPicPr>
               <p:cNvPr id="140" name="Ink 139">
@@ -46665,8 +46665,8 @@
           </a:fontRef>
         </p:style>
       </p:cxnSp>
-      <mc:AlternateContent xmlns:mc="http://schemas.openxmlformats.org/markup-compatibility/2006">
-        <mc:Choice xmlns:p14="http://schemas.microsoft.com/office/powerpoint/2010/main" Requires="p14">
+      <mc:AlternateContent xmlns:mc="http://schemas.openxmlformats.org/markup-compatibility/2006" xmlns:p14="http://schemas.microsoft.com/office/powerpoint/2010/main">
+        <mc:Choice Requires="p14">
           <p:contentPart p14:bwMode="auto" r:id="rId4">
             <p14:nvContentPartPr>
               <p14:cNvPr id="67" name="Ink 66">
@@ -46685,7 +46685,7 @@
             </p14:xfrm>
           </p:contentPart>
         </mc:Choice>
-        <mc:Fallback>
+        <mc:Fallback xmlns="">
           <p:pic>
             <p:nvPicPr>
               <p:cNvPr id="67" name="Ink 66">
@@ -47524,14 +47524,14 @@
           <p:cNvCxnSpPr>
             <a:cxnSpLocks/>
             <a:stCxn id="102" idx="7"/>
-            <a:endCxn id="103" idx="2"/>
+            <a:endCxn id="54" idx="4"/>
           </p:cNvCxnSpPr>
           <p:nvPr/>
         </p:nvCxnSpPr>
         <p:spPr>
           <a:xfrm flipV="1">
-            <a:off x="8368420" y="1872909"/>
-            <a:ext cx="1852651" cy="70233"/>
+            <a:off x="8368420" y="1450757"/>
+            <a:ext cx="35377" cy="492385"/>
           </a:xfrm>
           <a:prstGeom prst="straightConnector1">
             <a:avLst/>
@@ -47866,7 +47866,7 @@
         </p:nvSpPr>
         <p:spPr>
           <a:xfrm>
-            <a:off x="8043054" y="1561846"/>
+            <a:off x="8386108" y="1695179"/>
             <a:ext cx="562834" cy="369332"/>
           </a:xfrm>
           <a:prstGeom prst="rect">
@@ -48719,8 +48719,8 @@
           </a:p>
         </p:txBody>
       </p:sp>
-      <mc:AlternateContent xmlns:mc="http://schemas.openxmlformats.org/markup-compatibility/2006">
-        <mc:Choice xmlns:p14="http://schemas.microsoft.com/office/powerpoint/2010/main" Requires="p14">
+      <mc:AlternateContent xmlns:mc="http://schemas.openxmlformats.org/markup-compatibility/2006" xmlns:p14="http://schemas.microsoft.com/office/powerpoint/2010/main">
+        <mc:Choice Requires="p14">
           <p:contentPart p14:bwMode="auto" r:id="rId2">
             <p14:nvContentPartPr>
               <p14:cNvPr id="66" name="Ink 65">
@@ -48739,7 +48739,7 @@
             </p14:xfrm>
           </p:contentPart>
         </mc:Choice>
-        <mc:Fallback>
+        <mc:Fallback xmlns="">
           <p:pic>
             <p:nvPicPr>
               <p:cNvPr id="66" name="Ink 65">
@@ -48770,8 +48770,8 @@
           </p:pic>
         </mc:Fallback>
       </mc:AlternateContent>
-      <mc:AlternateContent xmlns:mc="http://schemas.openxmlformats.org/markup-compatibility/2006">
-        <mc:Choice xmlns:p14="http://schemas.microsoft.com/office/powerpoint/2010/main" Requires="p14">
+      <mc:AlternateContent xmlns:mc="http://schemas.openxmlformats.org/markup-compatibility/2006" xmlns:p14="http://schemas.microsoft.com/office/powerpoint/2010/main">
+        <mc:Choice Requires="p14">
           <p:contentPart p14:bwMode="auto" r:id="rId4">
             <p14:nvContentPartPr>
               <p14:cNvPr id="67" name="Ink 66">
@@ -48790,7 +48790,7 @@
             </p14:xfrm>
           </p:contentPart>
         </mc:Choice>
-        <mc:Fallback>
+        <mc:Fallback xmlns="">
           <p:pic>
             <p:nvPicPr>
               <p:cNvPr id="67" name="Ink 66">
@@ -48841,8 +48841,8 @@
             <a:chExt cx="285480" cy="159120"/>
           </a:xfrm>
         </p:grpSpPr>
-        <mc:AlternateContent xmlns:mc="http://schemas.openxmlformats.org/markup-compatibility/2006">
-          <mc:Choice xmlns:p14="http://schemas.microsoft.com/office/powerpoint/2010/main" Requires="p14">
+        <mc:AlternateContent xmlns:mc="http://schemas.openxmlformats.org/markup-compatibility/2006" xmlns:p14="http://schemas.microsoft.com/office/powerpoint/2010/main">
+          <mc:Choice Requires="p14">
             <p:contentPart p14:bwMode="auto" r:id="rId6">
               <p14:nvContentPartPr>
                 <p14:cNvPr id="68" name="Ink 67">
@@ -48861,7 +48861,7 @@
               </p14:xfrm>
             </p:contentPart>
           </mc:Choice>
-          <mc:Fallback>
+          <mc:Fallback xmlns="">
             <p:pic>
               <p:nvPicPr>
                 <p:cNvPr id="68" name="Ink 67">
@@ -48892,8 +48892,8 @@
             </p:pic>
           </mc:Fallback>
         </mc:AlternateContent>
-        <mc:AlternateContent xmlns:mc="http://schemas.openxmlformats.org/markup-compatibility/2006">
-          <mc:Choice xmlns:p14="http://schemas.microsoft.com/office/powerpoint/2010/main" Requires="p14">
+        <mc:AlternateContent xmlns:mc="http://schemas.openxmlformats.org/markup-compatibility/2006" xmlns:p14="http://schemas.microsoft.com/office/powerpoint/2010/main">
+          <mc:Choice Requires="p14">
             <p:contentPart p14:bwMode="auto" r:id="rId8">
               <p14:nvContentPartPr>
                 <p14:cNvPr id="69" name="Ink 68">
@@ -48912,7 +48912,7 @@
               </p14:xfrm>
             </p:contentPart>
           </mc:Choice>
-          <mc:Fallback>
+          <mc:Fallback xmlns="">
             <p:pic>
               <p:nvPicPr>
                 <p:cNvPr id="69" name="Ink 68">
@@ -48943,8 +48943,8 @@
             </p:pic>
           </mc:Fallback>
         </mc:AlternateContent>
-        <mc:AlternateContent xmlns:mc="http://schemas.openxmlformats.org/markup-compatibility/2006">
-          <mc:Choice xmlns:p14="http://schemas.microsoft.com/office/powerpoint/2010/main" Requires="p14">
+        <mc:AlternateContent xmlns:mc="http://schemas.openxmlformats.org/markup-compatibility/2006" xmlns:p14="http://schemas.microsoft.com/office/powerpoint/2010/main">
+          <mc:Choice Requires="p14">
             <p:contentPart p14:bwMode="auto" r:id="rId10">
               <p14:nvContentPartPr>
                 <p14:cNvPr id="70" name="Ink 69">
@@ -48963,7 +48963,7 @@
               </p14:xfrm>
             </p:contentPart>
           </mc:Choice>
-          <mc:Fallback>
+          <mc:Fallback xmlns="">
             <p:pic>
               <p:nvPicPr>
                 <p:cNvPr id="70" name="Ink 69">
